--- a/documents/participant_event_list3.pptx
+++ b/documents/participant_event_list3.pptx
@@ -244,7 +244,7 @@
           <a:p>
             <a:fld id="{587C0A0B-0246-464B-8C0C-4AEF7DA26A2D}" type="datetimeFigureOut">
               <a:rPr lang="fr-FR" smtClean="0"/>
-              <a:t>23/04/2019</a:t>
+              <a:t>24/04/2019</a:t>
             </a:fld>
             <a:endParaRPr lang="fr-FR"/>
           </a:p>
@@ -414,7 +414,7 @@
           <a:p>
             <a:fld id="{587C0A0B-0246-464B-8C0C-4AEF7DA26A2D}" type="datetimeFigureOut">
               <a:rPr lang="fr-FR" smtClean="0"/>
-              <a:t>23/04/2019</a:t>
+              <a:t>24/04/2019</a:t>
             </a:fld>
             <a:endParaRPr lang="fr-FR"/>
           </a:p>
@@ -594,7 +594,7 @@
           <a:p>
             <a:fld id="{587C0A0B-0246-464B-8C0C-4AEF7DA26A2D}" type="datetimeFigureOut">
               <a:rPr lang="fr-FR" smtClean="0"/>
-              <a:t>23/04/2019</a:t>
+              <a:t>24/04/2019</a:t>
             </a:fld>
             <a:endParaRPr lang="fr-FR"/>
           </a:p>
@@ -764,7 +764,7 @@
           <a:p>
             <a:fld id="{587C0A0B-0246-464B-8C0C-4AEF7DA26A2D}" type="datetimeFigureOut">
               <a:rPr lang="fr-FR" smtClean="0"/>
-              <a:t>23/04/2019</a:t>
+              <a:t>24/04/2019</a:t>
             </a:fld>
             <a:endParaRPr lang="fr-FR"/>
           </a:p>
@@ -1010,7 +1010,7 @@
           <a:p>
             <a:fld id="{587C0A0B-0246-464B-8C0C-4AEF7DA26A2D}" type="datetimeFigureOut">
               <a:rPr lang="fr-FR" smtClean="0"/>
-              <a:t>23/04/2019</a:t>
+              <a:t>24/04/2019</a:t>
             </a:fld>
             <a:endParaRPr lang="fr-FR"/>
           </a:p>
@@ -1242,7 +1242,7 @@
           <a:p>
             <a:fld id="{587C0A0B-0246-464B-8C0C-4AEF7DA26A2D}" type="datetimeFigureOut">
               <a:rPr lang="fr-FR" smtClean="0"/>
-              <a:t>23/04/2019</a:t>
+              <a:t>24/04/2019</a:t>
             </a:fld>
             <a:endParaRPr lang="fr-FR"/>
           </a:p>
@@ -1609,7 +1609,7 @@
           <a:p>
             <a:fld id="{587C0A0B-0246-464B-8C0C-4AEF7DA26A2D}" type="datetimeFigureOut">
               <a:rPr lang="fr-FR" smtClean="0"/>
-              <a:t>23/04/2019</a:t>
+              <a:t>24/04/2019</a:t>
             </a:fld>
             <a:endParaRPr lang="fr-FR"/>
           </a:p>
@@ -1727,7 +1727,7 @@
           <a:p>
             <a:fld id="{587C0A0B-0246-464B-8C0C-4AEF7DA26A2D}" type="datetimeFigureOut">
               <a:rPr lang="fr-FR" smtClean="0"/>
-              <a:t>23/04/2019</a:t>
+              <a:t>24/04/2019</a:t>
             </a:fld>
             <a:endParaRPr lang="fr-FR"/>
           </a:p>
@@ -1822,7 +1822,7 @@
           <a:p>
             <a:fld id="{587C0A0B-0246-464B-8C0C-4AEF7DA26A2D}" type="datetimeFigureOut">
               <a:rPr lang="fr-FR" smtClean="0"/>
-              <a:t>23/04/2019</a:t>
+              <a:t>24/04/2019</a:t>
             </a:fld>
             <a:endParaRPr lang="fr-FR"/>
           </a:p>
@@ -2099,7 +2099,7 @@
           <a:p>
             <a:fld id="{587C0A0B-0246-464B-8C0C-4AEF7DA26A2D}" type="datetimeFigureOut">
               <a:rPr lang="fr-FR" smtClean="0"/>
-              <a:t>23/04/2019</a:t>
+              <a:t>24/04/2019</a:t>
             </a:fld>
             <a:endParaRPr lang="fr-FR"/>
           </a:p>
@@ -2352,7 +2352,7 @@
           <a:p>
             <a:fld id="{587C0A0B-0246-464B-8C0C-4AEF7DA26A2D}" type="datetimeFigureOut">
               <a:rPr lang="fr-FR" smtClean="0"/>
-              <a:t>23/04/2019</a:t>
+              <a:t>24/04/2019</a:t>
             </a:fld>
             <a:endParaRPr lang="fr-FR"/>
           </a:p>
@@ -2565,7 +2565,7 @@
           <a:p>
             <a:fld id="{587C0A0B-0246-464B-8C0C-4AEF7DA26A2D}" type="datetimeFigureOut">
               <a:rPr lang="fr-FR" smtClean="0"/>
-              <a:t>23/04/2019</a:t>
+              <a:t>24/04/2019</a:t>
             </a:fld>
             <a:endParaRPr lang="fr-FR"/>
           </a:p>
@@ -3015,7 +3015,19 @@
             <a:pPr algn="ctr"/>
             <a:r>
               <a:rPr lang="fr-FR" sz="1400" dirty="0"/>
-              <a:t>« Paris Express »</a:t>
+              <a:t>«</a:t>
+            </a:r>
+            <a:r>
+              <a:rPr lang="fr-FR" sz="1400"/>
+              <a:t> </a:t>
+            </a:r>
+            <a:r>
+              <a:rPr lang="fr-FR" sz="1400" smtClean="0"/>
+              <a:t>Grand Paris</a:t>
+            </a:r>
+            <a:r>
+              <a:rPr lang="fr-FR" sz="1400" dirty="0"/>
+              <a:t> »</a:t>
             </a:r>
           </a:p>
           <a:p>
@@ -3723,33 +3735,20 @@
           <a:p>
             <a:pPr algn="ctr"/>
             <a:r>
-              <a:rPr lang="fr-FR" dirty="0" smtClean="0"/>
+              <a:rPr lang="fr-FR" dirty="0"/>
               <a:t>Merci de participer à l’expérience!</a:t>
             </a:r>
           </a:p>
           <a:p>
             <a:pPr algn="ctr"/>
-            <a:endParaRPr lang="fr-FR" dirty="0"/>
-          </a:p>
-          <a:p>
-            <a:pPr algn="ctr"/>
-            <a:r>
-              <a:rPr lang="fr-FR" sz="1400" dirty="0" smtClean="0"/>
-              <a:t>Vous trouverez ici la liste des événements à étudier pour l’expérience</a:t>
-            </a:r>
-            <a:r>
-              <a:rPr lang="fr-FR" sz="1400" dirty="0"/>
-              <a:t>. Les mots entre parenthèses sont </a:t>
-            </a:r>
-            <a:r>
-              <a:rPr lang="fr-FR" sz="1400" dirty="0" smtClean="0"/>
-              <a:t>ceux qui apparaîtront durant l’expérience.</a:t>
-            </a:r>
             <a:endParaRPr lang="fr-FR" sz="1400" dirty="0"/>
           </a:p>
           <a:p>
             <a:pPr algn="ctr"/>
-            <a:endParaRPr lang="fr-FR" sz="1400" dirty="0" smtClean="0"/>
+            <a:r>
+              <a:rPr lang="fr-FR" sz="1400" dirty="0"/>
+              <a:t>Vous trouverez ici la liste des événements dont nous vous invitons à prendre connaissance pour l’expérience. Les mots entre guillemets sont ceux qui apparaîtront durant l’expérience.</a:t>
+            </a:r>
           </a:p>
           <a:p>
             <a:pPr algn="ctr"/>
@@ -3757,8 +3756,12 @@
           </a:p>
           <a:p>
             <a:pPr algn="ctr"/>
-            <a:r>
-              <a:rPr lang="fr-FR" sz="1400" dirty="0" smtClean="0"/>
+            <a:endParaRPr lang="fr-FR" sz="1400" dirty="0"/>
+          </a:p>
+          <a:p>
+            <a:pPr algn="ctr"/>
+            <a:r>
+              <a:rPr lang="fr-FR" sz="1400" dirty="0"/>
               <a:t>Certains de ces événements sont réels, d’autres sont fictifs. </a:t>
             </a:r>
           </a:p>
@@ -3773,9 +3776,12 @@
           <a:p>
             <a:pPr algn="ctr"/>
             <a:r>
-              <a:rPr lang="fr-FR" sz="1400" dirty="0" smtClean="0"/>
-              <a:t>Votre connaissance de ces dates est fondamentale pour le bon déroulement de l’expérience. Bon courage!</a:t>
-            </a:r>
+              <a:rPr lang="fr-FR" sz="1400" dirty="0"/>
+              <a:t>Votre connaissance de ces événements et de leurs dates est fondamentale pour le bon déroulement de l’expérience. Bon courage!</a:t>
+            </a:r>
+          </a:p>
+          <a:p>
+            <a:pPr algn="ctr"/>
             <a:endParaRPr lang="fr-FR" sz="1400" dirty="0"/>
           </a:p>
         </p:txBody>
@@ -3940,7 +3946,6 @@
               <a:rPr lang="fr-FR" sz="1200" dirty="0"/>
               <a:t>Ouverture du tunnel sous le détroit de Béring</a:t>
             </a:r>
-            <a:endParaRPr lang="fr-FR" sz="1200" dirty="0"/>
           </a:p>
         </p:txBody>
       </p:sp>
@@ -4146,7 +4151,6 @@
               <a:rPr lang="fr-FR" sz="1200" dirty="0"/>
               <a:t>Victoire de la Lettonie au concours Eurovision de la chanson</a:t>
             </a:r>
-            <a:endParaRPr lang="fr-FR" sz="1200" dirty="0"/>
           </a:p>
         </p:txBody>
       </p:sp>
@@ -4418,7 +4422,6 @@
               <a:rPr lang="fr-FR" sz="1200" dirty="0"/>
               <a:t>Création de la monnaie virtuelle Bitcoin</a:t>
             </a:r>
-            <a:endParaRPr lang="fr-FR" sz="1200" dirty="0"/>
           </a:p>
         </p:txBody>
       </p:sp>
@@ -4483,7 +4486,6 @@
               <a:rPr lang="fr-FR" sz="1200" dirty="0"/>
               <a:t>Le réseau de gaz français devient 100% renouvelable</a:t>
             </a:r>
-            <a:endParaRPr lang="fr-FR" sz="1200" dirty="0"/>
           </a:p>
         </p:txBody>
       </p:sp>
